--- a/Project 2/docs/ENGI301_project_02 Block Diagrams.pptx
+++ b/Project 2/docs/ENGI301_project_02 Block Diagrams.pptx
@@ -5,17 +5,16 @@
     <p:sldMasterId id="2147483648" r:id="rId1"/>
   </p:sldMasterIdLst>
   <p:notesMasterIdLst>
-    <p:notesMasterId r:id="rId7"/>
+    <p:notesMasterId r:id="rId6"/>
   </p:notesMasterIdLst>
   <p:handoutMasterIdLst>
-    <p:handoutMasterId r:id="rId8"/>
+    <p:handoutMasterId r:id="rId7"/>
   </p:handoutMasterIdLst>
   <p:sldIdLst>
     <p:sldId id="261" r:id="rId2"/>
     <p:sldId id="367" r:id="rId3"/>
     <p:sldId id="592" r:id="rId4"/>
     <p:sldId id="648" r:id="rId5"/>
-    <p:sldId id="650" r:id="rId6"/>
   </p:sldIdLst>
   <p:sldSz cx="12192000" cy="6858000"/>
   <p:notesSz cx="6858000" cy="9144000"/>
@@ -15932,8 +15931,8 @@
         </p:nvSpPr>
         <p:spPr>
           <a:xfrm>
-            <a:off x="5219700" y="3581400"/>
-            <a:ext cx="484428" cy="307777"/>
+            <a:off x="5150147" y="3597822"/>
+            <a:ext cx="1170513" cy="307777"/>
           </a:xfrm>
           <a:prstGeom prst="rect">
             <a:avLst/>
@@ -15949,7 +15948,7 @@
             <a:pPr algn="ctr"/>
             <a:r>
               <a:rPr lang="en-US" sz="1400" dirty="0"/>
-              <a:t>AIN</a:t>
+              <a:t>AIN (P1_21)</a:t>
             </a:r>
           </a:p>
         </p:txBody>
@@ -16645,7 +16644,7 @@
         <p:spPr>
           <a:xfrm>
             <a:off x="1333500" y="1333500"/>
-            <a:ext cx="404278" cy="307777"/>
+            <a:ext cx="1090363" cy="307777"/>
           </a:xfrm>
           <a:prstGeom prst="rect">
             <a:avLst/>
@@ -16660,7 +16659,7 @@
           <a:p>
             <a:r>
               <a:rPr lang="en-US" sz="1400" dirty="0"/>
-              <a:t>5V</a:t>
+              <a:t>5V (P2_13)</a:t>
             </a:r>
           </a:p>
         </p:txBody>
@@ -17058,8 +17057,8 @@
         </p:nvSpPr>
         <p:spPr>
           <a:xfrm>
-            <a:off x="723900" y="3886200"/>
-            <a:ext cx="704039" cy="307777"/>
+            <a:off x="0" y="4069606"/>
+            <a:ext cx="1390124" cy="307777"/>
           </a:xfrm>
           <a:prstGeom prst="rect">
             <a:avLst/>
@@ -17074,7 +17073,7 @@
           <a:p>
             <a:r>
               <a:rPr lang="en-US" sz="1400" dirty="0"/>
-              <a:t>AGND</a:t>
+              <a:t>AGND (P1_17)</a:t>
             </a:r>
           </a:p>
         </p:txBody>
@@ -17472,8 +17471,8 @@
         </p:nvSpPr>
         <p:spPr>
           <a:xfrm>
-            <a:off x="6362700" y="5105400"/>
-            <a:ext cx="633507" cy="307777"/>
+            <a:off x="5725367" y="5143500"/>
+            <a:ext cx="1319592" cy="307777"/>
           </a:xfrm>
           <a:prstGeom prst="rect">
             <a:avLst/>
@@ -17488,7 +17487,7 @@
           <a:p>
             <a:r>
               <a:rPr lang="en-US" sz="1400" dirty="0"/>
-              <a:t>GPIO</a:t>
+              <a:t>GPIO (P2_06)</a:t>
             </a:r>
           </a:p>
         </p:txBody>
@@ -18358,8 +18357,8 @@
         </p:nvSpPr>
         <p:spPr>
           <a:xfrm>
-            <a:off x="10363200" y="1337846"/>
-            <a:ext cx="606256" cy="338554"/>
+            <a:off x="9693770" y="1359069"/>
+            <a:ext cx="1393330" cy="338554"/>
           </a:xfrm>
           <a:prstGeom prst="rect">
             <a:avLst/>
@@ -18374,7 +18373,7 @@
           <a:p>
             <a:r>
               <a:rPr lang="en-US" sz="1600" dirty="0"/>
-              <a:t>3.3V</a:t>
+              <a:t>3.3V (P1_14)</a:t>
             </a:r>
           </a:p>
         </p:txBody>
@@ -19322,8 +19321,8 @@
         </p:nvSpPr>
         <p:spPr>
           <a:xfrm>
-            <a:off x="6362700" y="4648200"/>
-            <a:ext cx="633507" cy="307777"/>
+            <a:off x="5773576" y="4585446"/>
+            <a:ext cx="1319592" cy="307777"/>
           </a:xfrm>
           <a:prstGeom prst="rect">
             <a:avLst/>
@@ -19338,7 +19337,7 @@
           <a:p>
             <a:r>
               <a:rPr lang="en-US" sz="1400" dirty="0"/>
-              <a:t>GPIO</a:t>
+              <a:t>GPIO (P2_04)</a:t>
             </a:r>
           </a:p>
         </p:txBody>
@@ -20236,8 +20235,8 @@
         </p:nvSpPr>
         <p:spPr>
           <a:xfrm>
-            <a:off x="723900" y="5143500"/>
-            <a:ext cx="704039" cy="307777"/>
+            <a:off x="50580" y="5254823"/>
+            <a:ext cx="1390124" cy="307777"/>
           </a:xfrm>
           <a:prstGeom prst="rect">
             <a:avLst/>
@@ -20252,7 +20251,7 @@
           <a:p>
             <a:r>
               <a:rPr lang="en-US" sz="1400" dirty="0"/>
-              <a:t>AGND</a:t>
+              <a:t>AGND (P1_17)</a:t>
             </a:r>
           </a:p>
         </p:txBody>
@@ -20427,8 +20426,8 @@
         </p:nvSpPr>
         <p:spPr>
           <a:xfrm>
-            <a:off x="5181600" y="4800600"/>
-            <a:ext cx="484428" cy="307777"/>
+            <a:off x="5133157" y="4800600"/>
+            <a:ext cx="1170513" cy="307777"/>
           </a:xfrm>
           <a:prstGeom prst="rect">
             <a:avLst/>
@@ -20444,7 +20443,7 @@
             <a:pPr algn="ctr"/>
             <a:r>
               <a:rPr lang="en-US" sz="1400" dirty="0"/>
-              <a:t>AIN</a:t>
+              <a:t>AIN (P1_23)</a:t>
             </a:r>
           </a:p>
         </p:txBody>
@@ -21815,8 +21814,8 @@
         </p:nvSpPr>
         <p:spPr>
           <a:xfrm>
-            <a:off x="6362700" y="4152900"/>
-            <a:ext cx="633507" cy="307777"/>
+            <a:off x="5708159" y="4195502"/>
+            <a:ext cx="1319592" cy="307777"/>
           </a:xfrm>
           <a:prstGeom prst="rect">
             <a:avLst/>
@@ -21831,7 +21830,7 @@
           <a:p>
             <a:r>
               <a:rPr lang="en-US" sz="1400" dirty="0"/>
-              <a:t>GPIO</a:t>
+              <a:t>GPIO (P2_02)</a:t>
             </a:r>
           </a:p>
         </p:txBody>
@@ -22429,7 +22428,7 @@
         </p:nvSpPr>
         <p:spPr>
           <a:xfrm rot="5400000">
-            <a:off x="5168278" y="1284434"/>
+            <a:off x="10700662" y="3743938"/>
             <a:ext cx="304800" cy="1169645"/>
           </a:xfrm>
           <a:prstGeom prst="rect">
@@ -22780,7 +22779,7 @@
         </p:nvSpPr>
         <p:spPr>
           <a:xfrm rot="5400000">
-            <a:off x="3723286" y="2243777"/>
+            <a:off x="3741736" y="2078179"/>
             <a:ext cx="2324098" cy="2150670"/>
           </a:xfrm>
           <a:prstGeom prst="rect">
@@ -22878,7 +22877,7 @@
         </p:nvSpPr>
         <p:spPr>
           <a:xfrm>
-            <a:off x="2834312" y="2081997"/>
+            <a:off x="1869752" y="1981200"/>
             <a:ext cx="609600" cy="609600"/>
           </a:xfrm>
           <a:prstGeom prst="rect">
@@ -22926,9 +22925,9 @@
           <p:nvPr/>
         </p:nvSpPr>
         <p:spPr>
-          <a:xfrm>
-            <a:off x="1721956" y="2324105"/>
-            <a:ext cx="990600" cy="914397"/>
+          <a:xfrm rot="5400000">
+            <a:off x="2655850" y="2615892"/>
+            <a:ext cx="949429" cy="342894"/>
           </a:xfrm>
           <a:prstGeom prst="ellipse">
             <a:avLst/>
@@ -23764,7 +23763,7 @@
         </p:nvSpPr>
         <p:spPr>
           <a:xfrm>
-            <a:off x="2802321" y="2866637"/>
+            <a:off x="1855954" y="2971800"/>
             <a:ext cx="609600" cy="609600"/>
           </a:xfrm>
           <a:prstGeom prst="rect">
@@ -23803,128 +23802,6 @@
     <p:extLst>
       <p:ext uri="{BB962C8B-B14F-4D97-AF65-F5344CB8AC3E}">
         <p14:creationId xmlns:p14="http://schemas.microsoft.com/office/powerpoint/2010/main" val="2035144677"/>
-      </p:ext>
-    </p:extLst>
-  </p:cSld>
-  <p:clrMapOvr>
-    <a:masterClrMapping/>
-  </p:clrMapOvr>
-  <mc:AlternateContent xmlns:mc="http://schemas.openxmlformats.org/markup-compatibility/2006" xmlns:p14="http://schemas.microsoft.com/office/powerpoint/2010/main">
-    <mc:Choice Requires="p14">
-      <p:transition spd="med" p14:dur="700">
-        <p:fade/>
-      </p:transition>
-    </mc:Choice>
-    <mc:Fallback xmlns="">
-      <p:transition spd="med">
-        <p:fade/>
-      </p:transition>
-    </mc:Fallback>
-  </mc:AlternateContent>
-</p:sld>
-</file>
-
-<file path=ppt/slides/slide5.xml><?xml version="1.0" encoding="utf-8"?>
-<p:sld xmlns:a="http://schemas.openxmlformats.org/drawingml/2006/main" xmlns:r="http://schemas.openxmlformats.org/officeDocument/2006/relationships" xmlns:p="http://schemas.openxmlformats.org/presentationml/2006/main">
-  <p:cSld>
-    <p:spTree>
-      <p:nvGrpSpPr>
-        <p:cNvPr id="1" name=""/>
-        <p:cNvGrpSpPr/>
-        <p:nvPr/>
-      </p:nvGrpSpPr>
-      <p:grpSpPr>
-        <a:xfrm>
-          <a:off x="0" y="0"/>
-          <a:ext cx="0" cy="0"/>
-          <a:chOff x="0" y="0"/>
-          <a:chExt cx="0" cy="0"/>
-        </a:xfrm>
-      </p:grpSpPr>
-      <p:sp>
-        <p:nvSpPr>
-          <p:cNvPr id="2" name="Title 1">
-            <a:extLst>
-              <a:ext uri="{FF2B5EF4-FFF2-40B4-BE49-F238E27FC236}">
-                <a16:creationId xmlns:a16="http://schemas.microsoft.com/office/drawing/2014/main" id="{D3EA3E92-7D13-FAEF-9082-4E6ECBA4373A}"/>
-              </a:ext>
-            </a:extLst>
-          </p:cNvPr>
-          <p:cNvSpPr>
-            <a:spLocks noGrp="1"/>
-          </p:cNvSpPr>
-          <p:nvPr>
-            <p:ph type="title"/>
-          </p:nvPr>
-        </p:nvSpPr>
-        <p:spPr/>
-        <p:txBody>
-          <a:bodyPr/>
-          <a:lstStyle/>
-          <a:p>
-            <a:endParaRPr lang="en-US"/>
-          </a:p>
-        </p:txBody>
-      </p:sp>
-      <p:sp>
-        <p:nvSpPr>
-          <p:cNvPr id="3" name="Content Placeholder 2">
-            <a:extLst>
-              <a:ext uri="{FF2B5EF4-FFF2-40B4-BE49-F238E27FC236}">
-                <a16:creationId xmlns:a16="http://schemas.microsoft.com/office/drawing/2014/main" id="{AAE49666-E41A-FDD8-32CE-174D1D0EBFED}"/>
-              </a:ext>
-            </a:extLst>
-          </p:cNvPr>
-          <p:cNvSpPr>
-            <a:spLocks noGrp="1"/>
-          </p:cNvSpPr>
-          <p:nvPr>
-            <p:ph idx="1"/>
-          </p:nvPr>
-        </p:nvSpPr>
-        <p:spPr/>
-        <p:txBody>
-          <a:bodyPr/>
-          <a:lstStyle/>
-          <a:p>
-            <a:endParaRPr lang="en-US"/>
-          </a:p>
-        </p:txBody>
-      </p:sp>
-      <p:pic>
-        <p:nvPicPr>
-          <p:cNvPr id="4" name="Picture 3">
-            <a:extLst>
-              <a:ext uri="{FF2B5EF4-FFF2-40B4-BE49-F238E27FC236}">
-                <a16:creationId xmlns:a16="http://schemas.microsoft.com/office/drawing/2014/main" id="{4ACBCFE4-F0FE-7E8E-245C-F5964AF31319}"/>
-              </a:ext>
-            </a:extLst>
-          </p:cNvPr>
-          <p:cNvPicPr>
-            <a:picLocks noChangeAspect="1"/>
-          </p:cNvPicPr>
-          <p:nvPr/>
-        </p:nvPicPr>
-        <p:blipFill>
-          <a:blip r:embed="rId2"/>
-          <a:stretch>
-            <a:fillRect/>
-          </a:stretch>
-        </p:blipFill>
-        <p:spPr>
-          <a:xfrm>
-            <a:off x="2209800" y="1409743"/>
-            <a:ext cx="7772400" cy="4038514"/>
-          </a:xfrm>
-          <a:prstGeom prst="rect">
-            <a:avLst/>
-          </a:prstGeom>
-        </p:spPr>
-      </p:pic>
-    </p:spTree>
-    <p:extLst>
-      <p:ext uri="{BB962C8B-B14F-4D97-AF65-F5344CB8AC3E}">
-        <p14:creationId xmlns:p14="http://schemas.microsoft.com/office/powerpoint/2010/main" val="1000278098"/>
       </p:ext>
     </p:extLst>
   </p:cSld>

--- a/Project 2/docs/ENGI301_project_02 Block Diagrams.pptx
+++ b/Project 2/docs/ENGI301_project_02 Block Diagrams.pptx
@@ -21919,7 +21919,7 @@
         </p:nvSpPr>
         <p:spPr>
           <a:xfrm>
-            <a:off x="3352800" y="5257800"/>
+            <a:off x="2209800" y="5257800"/>
             <a:ext cx="979755" cy="369332"/>
           </a:xfrm>
           <a:prstGeom prst="rect">
@@ -21954,7 +21954,7 @@
         </p:nvSpPr>
         <p:spPr>
           <a:xfrm>
-            <a:off x="8915400" y="5257800"/>
+            <a:off x="7772400" y="5257800"/>
             <a:ext cx="813043" cy="369332"/>
           </a:xfrm>
           <a:prstGeom prst="rect">
@@ -21989,7 +21989,7 @@
         </p:nvSpPr>
         <p:spPr>
           <a:xfrm>
-            <a:off x="1600200" y="1600200"/>
+            <a:off x="457200" y="1600200"/>
             <a:ext cx="4572000" cy="3048000"/>
           </a:xfrm>
           <a:prstGeom prst="rect">
@@ -22043,7 +22043,7 @@
         </p:nvCxnSpPr>
         <p:spPr>
           <a:xfrm>
-            <a:off x="1524000" y="1371600"/>
+            <a:off x="381000" y="1371600"/>
             <a:ext cx="1828800" cy="0"/>
           </a:xfrm>
           <a:prstGeom prst="line">
@@ -22087,7 +22087,7 @@
         </p:nvCxnSpPr>
         <p:spPr>
           <a:xfrm>
-            <a:off x="4267200" y="1371600"/>
+            <a:off x="3124200" y="1371600"/>
             <a:ext cx="1828800" cy="0"/>
           </a:xfrm>
           <a:prstGeom prst="line">
@@ -22129,7 +22129,7 @@
         </p:nvCxnSpPr>
         <p:spPr>
           <a:xfrm>
-            <a:off x="6096000" y="1295400"/>
+            <a:off x="4953000" y="1295400"/>
             <a:ext cx="0" cy="152400"/>
           </a:xfrm>
           <a:prstGeom prst="line">
@@ -22172,7 +22172,7 @@
         </p:nvCxnSpPr>
         <p:spPr>
           <a:xfrm>
-            <a:off x="1524000" y="1295400"/>
+            <a:off x="381000" y="1295400"/>
             <a:ext cx="0" cy="152400"/>
           </a:xfrm>
           <a:prstGeom prst="line">
@@ -22215,7 +22215,7 @@
         </p:nvCxnSpPr>
         <p:spPr>
           <a:xfrm>
-            <a:off x="6324600" y="1600200"/>
+            <a:off x="5181600" y="1600200"/>
             <a:ext cx="0" cy="1295400"/>
           </a:xfrm>
           <a:prstGeom prst="line">
@@ -22259,7 +22259,7 @@
         </p:nvCxnSpPr>
         <p:spPr>
           <a:xfrm>
-            <a:off x="6248400" y="1600200"/>
+            <a:off x="5105400" y="1600200"/>
             <a:ext cx="152400" cy="0"/>
           </a:xfrm>
           <a:prstGeom prst="line">
@@ -22302,7 +22302,7 @@
         </p:nvCxnSpPr>
         <p:spPr>
           <a:xfrm flipV="1">
-            <a:off x="6324600" y="3352800"/>
+            <a:off x="5181600" y="3352800"/>
             <a:ext cx="0" cy="1295400"/>
           </a:xfrm>
           <a:prstGeom prst="line">
@@ -22344,7 +22344,7 @@
         </p:nvSpPr>
         <p:spPr>
           <a:xfrm>
-            <a:off x="6172200" y="2971800"/>
+            <a:off x="5029200" y="2971800"/>
             <a:ext cx="389850" cy="369332"/>
           </a:xfrm>
           <a:prstGeom prst="rect">
@@ -22379,7 +22379,7 @@
         </p:nvSpPr>
         <p:spPr>
           <a:xfrm>
-            <a:off x="1784139" y="3771900"/>
+            <a:off x="641139" y="3771900"/>
             <a:ext cx="681415" cy="609600"/>
           </a:xfrm>
           <a:prstGeom prst="rect">
@@ -22428,7 +22428,7 @@
         </p:nvSpPr>
         <p:spPr>
           <a:xfrm rot="5400000">
-            <a:off x="10700662" y="3743938"/>
+            <a:off x="9159946" y="3733131"/>
             <a:ext cx="304800" cy="1169645"/>
           </a:xfrm>
           <a:prstGeom prst="rect">
@@ -22480,8 +22480,8 @@
         </p:nvCxnSpPr>
         <p:spPr>
           <a:xfrm>
-            <a:off x="1524000" y="4876800"/>
-            <a:ext cx="762000" cy="0"/>
+            <a:off x="9948039" y="1371600"/>
+            <a:ext cx="381000" cy="0"/>
           </a:xfrm>
           <a:prstGeom prst="line">
             <a:avLst/>
@@ -22524,8 +22524,8 @@
         </p:nvCxnSpPr>
         <p:spPr>
           <a:xfrm>
-            <a:off x="3124200" y="4876800"/>
-            <a:ext cx="685800" cy="0"/>
+            <a:off x="10058400" y="1371600"/>
+            <a:ext cx="381000" cy="0"/>
           </a:xfrm>
           <a:prstGeom prst="line">
             <a:avLst/>
@@ -22568,7 +22568,7 @@
         </p:nvCxnSpPr>
         <p:spPr>
           <a:xfrm>
-            <a:off x="3810000" y="4800600"/>
+            <a:off x="10439400" y="1295400"/>
             <a:ext cx="0" cy="152400"/>
           </a:xfrm>
           <a:prstGeom prst="line">
@@ -22611,7 +22611,7 @@
         </p:nvCxnSpPr>
         <p:spPr>
           <a:xfrm>
-            <a:off x="1524000" y="4800600"/>
+            <a:off x="9948039" y="1295400"/>
             <a:ext cx="0" cy="152400"/>
           </a:xfrm>
           <a:prstGeom prst="line">
@@ -22652,8 +22652,8 @@
         </p:nvSpPr>
         <p:spPr>
           <a:xfrm>
-            <a:off x="2438400" y="4724400"/>
-            <a:ext cx="582211" cy="369332"/>
+            <a:off x="4469980" y="4888468"/>
+            <a:ext cx="1082348" cy="369332"/>
           </a:xfrm>
           <a:prstGeom prst="rect">
             <a:avLst/>
@@ -22668,100 +22668,8 @@
           <a:p>
             <a:r>
               <a:rPr lang="en-US" dirty="0"/>
-              <a:t>1.5”</a:t>
+              <a:t>12.7 mm</a:t>
             </a:r>
-          </a:p>
-        </p:txBody>
-      </p:sp>
-      <p:sp>
-        <p:nvSpPr>
-          <p:cNvPr id="20" name="Rectangle 19">
-            <a:extLst>
-              <a:ext uri="{FF2B5EF4-FFF2-40B4-BE49-F238E27FC236}">
-                <a16:creationId xmlns:a16="http://schemas.microsoft.com/office/drawing/2014/main" id="{1BD36F91-749E-42A9-BA4A-CDFB21D4C805}"/>
-              </a:ext>
-            </a:extLst>
-          </p:cNvPr>
-          <p:cNvSpPr/>
-          <p:nvPr/>
-        </p:nvSpPr>
-        <p:spPr>
-          <a:xfrm>
-            <a:off x="8077200" y="5791200"/>
-            <a:ext cx="304800" cy="152400"/>
-          </a:xfrm>
-          <a:prstGeom prst="rect">
-            <a:avLst/>
-          </a:prstGeom>
-        </p:spPr>
-        <p:style>
-          <a:lnRef idx="2">
-            <a:schemeClr val="accent1">
-              <a:shade val="50000"/>
-            </a:schemeClr>
-          </a:lnRef>
-          <a:fillRef idx="1">
-            <a:schemeClr val="accent1"/>
-          </a:fillRef>
-          <a:effectRef idx="0">
-            <a:schemeClr val="accent1"/>
-          </a:effectRef>
-          <a:fontRef idx="minor">
-            <a:schemeClr val="lt1"/>
-          </a:fontRef>
-        </p:style>
-        <p:txBody>
-          <a:bodyPr rtlCol="0" anchor="ctr"/>
-          <a:lstStyle/>
-          <a:p>
-            <a:pPr algn="ctr"/>
-            <a:endParaRPr lang="en-US"/>
-          </a:p>
-        </p:txBody>
-      </p:sp>
-      <p:sp>
-        <p:nvSpPr>
-          <p:cNvPr id="21" name="Rectangle 20">
-            <a:extLst>
-              <a:ext uri="{FF2B5EF4-FFF2-40B4-BE49-F238E27FC236}">
-                <a16:creationId xmlns:a16="http://schemas.microsoft.com/office/drawing/2014/main" id="{35FE2C48-E217-B6C8-0B0D-D63600D2EF70}"/>
-              </a:ext>
-            </a:extLst>
-          </p:cNvPr>
-          <p:cNvSpPr/>
-          <p:nvPr/>
-        </p:nvSpPr>
-        <p:spPr>
-          <a:xfrm>
-            <a:off x="8077200" y="6477000"/>
-            <a:ext cx="304800" cy="152400"/>
-          </a:xfrm>
-          <a:prstGeom prst="rect">
-            <a:avLst/>
-          </a:prstGeom>
-        </p:spPr>
-        <p:style>
-          <a:lnRef idx="2">
-            <a:schemeClr val="accent1">
-              <a:shade val="50000"/>
-            </a:schemeClr>
-          </a:lnRef>
-          <a:fillRef idx="1">
-            <a:schemeClr val="accent1"/>
-          </a:fillRef>
-          <a:effectRef idx="0">
-            <a:schemeClr val="accent1"/>
-          </a:effectRef>
-          <a:fontRef idx="minor">
-            <a:schemeClr val="lt1"/>
-          </a:fontRef>
-        </p:style>
-        <p:txBody>
-          <a:bodyPr rtlCol="0" anchor="ctr"/>
-          <a:lstStyle/>
-          <a:p>
-            <a:pPr algn="ctr"/>
-            <a:endParaRPr lang="en-US"/>
           </a:p>
         </p:txBody>
       </p:sp>
@@ -22779,7 +22687,7 @@
         </p:nvSpPr>
         <p:spPr>
           <a:xfrm rot="5400000">
-            <a:off x="3741736" y="2078179"/>
+            <a:off x="2310362" y="2080569"/>
             <a:ext cx="2324098" cy="2150670"/>
           </a:xfrm>
           <a:prstGeom prst="rect">
@@ -22828,7 +22736,7 @@
         </p:nvSpPr>
         <p:spPr>
           <a:xfrm>
-            <a:off x="8077200" y="2057400"/>
+            <a:off x="6536484" y="2046593"/>
             <a:ext cx="3352800" cy="1905000"/>
           </a:xfrm>
           <a:prstGeom prst="rect">
@@ -22877,7 +22785,7 @@
         </p:nvSpPr>
         <p:spPr>
           <a:xfrm>
-            <a:off x="1869752" y="1981200"/>
+            <a:off x="726752" y="1981200"/>
             <a:ext cx="609600" cy="609600"/>
           </a:xfrm>
           <a:prstGeom prst="rect">
@@ -22926,7 +22834,7 @@
         </p:nvSpPr>
         <p:spPr>
           <a:xfrm rot="5400000">
-            <a:off x="2655850" y="2615892"/>
+            <a:off x="1512850" y="2615892"/>
             <a:ext cx="949429" cy="342894"/>
           </a:xfrm>
           <a:prstGeom prst="ellipse">
@@ -22957,41 +22865,6 @@
             <a:r>
               <a:rPr lang="en-US" sz="1100" dirty="0"/>
               <a:t>Tricolor LED</a:t>
-            </a:r>
-          </a:p>
-        </p:txBody>
-      </p:sp>
-      <p:sp>
-        <p:nvSpPr>
-          <p:cNvPr id="27" name="TextBox 26">
-            <a:extLst>
-              <a:ext uri="{FF2B5EF4-FFF2-40B4-BE49-F238E27FC236}">
-                <a16:creationId xmlns:a16="http://schemas.microsoft.com/office/drawing/2014/main" id="{99044945-4889-B69C-D9BE-11AEA4EF4DA1}"/>
-              </a:ext>
-            </a:extLst>
-          </p:cNvPr>
-          <p:cNvSpPr txBox="1"/>
-          <p:nvPr/>
-        </p:nvSpPr>
-        <p:spPr>
-          <a:xfrm>
-            <a:off x="7924800" y="5410200"/>
-            <a:ext cx="582211" cy="369332"/>
-          </a:xfrm>
-          <a:prstGeom prst="rect">
-            <a:avLst/>
-          </a:prstGeom>
-          <a:noFill/>
-        </p:spPr>
-        <p:txBody>
-          <a:bodyPr wrap="none" rtlCol="0">
-            <a:spAutoFit/>
-          </a:bodyPr>
-          <a:lstStyle/>
-          <a:p>
-            <a:r>
-              <a:rPr lang="en-US" dirty="0"/>
-              <a:t>.25”</a:t>
             </a:r>
           </a:p>
         </p:txBody>
@@ -23012,7 +22885,7 @@
         </p:nvCxnSpPr>
         <p:spPr>
           <a:xfrm>
-            <a:off x="6248400" y="4648200"/>
+            <a:off x="5105400" y="4648200"/>
             <a:ext cx="152400" cy="0"/>
           </a:xfrm>
           <a:prstGeom prst="line">
@@ -23022,475 +22895,6 @@
             <a:solidFill>
               <a:schemeClr val="tx1"/>
             </a:solidFill>
-          </a:ln>
-        </p:spPr>
-        <p:style>
-          <a:lnRef idx="1">
-            <a:schemeClr val="accent1"/>
-          </a:lnRef>
-          <a:fillRef idx="0">
-            <a:schemeClr val="accent1"/>
-          </a:fillRef>
-          <a:effectRef idx="0">
-            <a:schemeClr val="accent1"/>
-          </a:effectRef>
-          <a:fontRef idx="minor">
-            <a:schemeClr val="tx1"/>
-          </a:fontRef>
-        </p:style>
-      </p:cxnSp>
-      <p:cxnSp>
-        <p:nvCxnSpPr>
-          <p:cNvPr id="29" name="Straight Connector 28">
-            <a:extLst>
-              <a:ext uri="{FF2B5EF4-FFF2-40B4-BE49-F238E27FC236}">
-                <a16:creationId xmlns:a16="http://schemas.microsoft.com/office/drawing/2014/main" id="{84039B61-4EE0-8DDD-F53A-DAC97333E111}"/>
-              </a:ext>
-            </a:extLst>
-          </p:cNvPr>
-          <p:cNvCxnSpPr>
-            <a:cxnSpLocks/>
-          </p:cNvCxnSpPr>
-          <p:nvPr/>
-        </p:nvCxnSpPr>
-        <p:spPr>
-          <a:xfrm>
-            <a:off x="7848600" y="6553200"/>
-            <a:ext cx="152400" cy="0"/>
-          </a:xfrm>
-          <a:prstGeom prst="line">
-            <a:avLst/>
-          </a:prstGeom>
-          <a:ln w="12700">
-            <a:solidFill>
-              <a:schemeClr val="tx1"/>
-            </a:solidFill>
-          </a:ln>
-        </p:spPr>
-        <p:style>
-          <a:lnRef idx="1">
-            <a:schemeClr val="accent1"/>
-          </a:lnRef>
-          <a:fillRef idx="0">
-            <a:schemeClr val="accent1"/>
-          </a:fillRef>
-          <a:effectRef idx="0">
-            <a:schemeClr val="accent1"/>
-          </a:effectRef>
-          <a:fontRef idx="minor">
-            <a:schemeClr val="tx1"/>
-          </a:fontRef>
-        </p:style>
-      </p:cxnSp>
-      <p:cxnSp>
-        <p:nvCxnSpPr>
-          <p:cNvPr id="30" name="Straight Connector 29">
-            <a:extLst>
-              <a:ext uri="{FF2B5EF4-FFF2-40B4-BE49-F238E27FC236}">
-                <a16:creationId xmlns:a16="http://schemas.microsoft.com/office/drawing/2014/main" id="{EFA0220A-1DB2-659E-9577-52C4AE458967}"/>
-              </a:ext>
-            </a:extLst>
-          </p:cNvPr>
-          <p:cNvCxnSpPr>
-            <a:cxnSpLocks/>
-          </p:cNvCxnSpPr>
-          <p:nvPr/>
-        </p:nvCxnSpPr>
-        <p:spPr>
-          <a:xfrm>
-            <a:off x="7845370" y="6553200"/>
-            <a:ext cx="152400" cy="0"/>
-          </a:xfrm>
-          <a:prstGeom prst="line">
-            <a:avLst/>
-          </a:prstGeom>
-          <a:ln w="12700">
-            <a:solidFill>
-              <a:schemeClr val="tx1"/>
-            </a:solidFill>
-          </a:ln>
-        </p:spPr>
-        <p:style>
-          <a:lnRef idx="1">
-            <a:schemeClr val="accent1"/>
-          </a:lnRef>
-          <a:fillRef idx="0">
-            <a:schemeClr val="accent1"/>
-          </a:fillRef>
-          <a:effectRef idx="0">
-            <a:schemeClr val="accent1"/>
-          </a:effectRef>
-          <a:fontRef idx="minor">
-            <a:schemeClr val="tx1"/>
-          </a:fontRef>
-        </p:style>
-      </p:cxnSp>
-      <p:cxnSp>
-        <p:nvCxnSpPr>
-          <p:cNvPr id="31" name="Straight Connector 30">
-            <a:extLst>
-              <a:ext uri="{FF2B5EF4-FFF2-40B4-BE49-F238E27FC236}">
-                <a16:creationId xmlns:a16="http://schemas.microsoft.com/office/drawing/2014/main" id="{CA8EA9C6-B6D4-6564-BBAC-973A9D747FE1}"/>
-              </a:ext>
-            </a:extLst>
-          </p:cNvPr>
-          <p:cNvCxnSpPr>
-            <a:cxnSpLocks/>
-          </p:cNvCxnSpPr>
-          <p:nvPr/>
-        </p:nvCxnSpPr>
-        <p:spPr>
-          <a:xfrm>
-            <a:off x="7848600" y="6553200"/>
-            <a:ext cx="152400" cy="0"/>
-          </a:xfrm>
-          <a:prstGeom prst="line">
-            <a:avLst/>
-          </a:prstGeom>
-          <a:ln w="12700">
-            <a:solidFill>
-              <a:schemeClr val="tx1"/>
-            </a:solidFill>
-          </a:ln>
-        </p:spPr>
-        <p:style>
-          <a:lnRef idx="1">
-            <a:schemeClr val="accent1"/>
-          </a:lnRef>
-          <a:fillRef idx="0">
-            <a:schemeClr val="accent1"/>
-          </a:fillRef>
-          <a:effectRef idx="0">
-            <a:schemeClr val="accent1"/>
-          </a:effectRef>
-          <a:fontRef idx="minor">
-            <a:schemeClr val="tx1"/>
-          </a:fontRef>
-        </p:style>
-      </p:cxnSp>
-      <p:cxnSp>
-        <p:nvCxnSpPr>
-          <p:cNvPr id="32" name="Straight Connector 31">
-            <a:extLst>
-              <a:ext uri="{FF2B5EF4-FFF2-40B4-BE49-F238E27FC236}">
-                <a16:creationId xmlns:a16="http://schemas.microsoft.com/office/drawing/2014/main" id="{2152CBCB-C2BC-E021-E37E-1F6429246492}"/>
-              </a:ext>
-            </a:extLst>
-          </p:cNvPr>
-          <p:cNvCxnSpPr>
-            <a:cxnSpLocks/>
-          </p:cNvCxnSpPr>
-          <p:nvPr/>
-        </p:nvCxnSpPr>
-        <p:spPr>
-          <a:xfrm>
-            <a:off x="7924800" y="5867400"/>
-            <a:ext cx="0" cy="152400"/>
-          </a:xfrm>
-          <a:prstGeom prst="line">
-            <a:avLst/>
-          </a:prstGeom>
-          <a:ln w="12700">
-            <a:solidFill>
-              <a:schemeClr val="tx1"/>
-            </a:solidFill>
-            <a:headEnd type="triangle"/>
-          </a:ln>
-        </p:spPr>
-        <p:style>
-          <a:lnRef idx="1">
-            <a:schemeClr val="accent1"/>
-          </a:lnRef>
-          <a:fillRef idx="0">
-            <a:schemeClr val="accent1"/>
-          </a:fillRef>
-          <a:effectRef idx="0">
-            <a:schemeClr val="accent1"/>
-          </a:effectRef>
-          <a:fontRef idx="minor">
-            <a:schemeClr val="tx1"/>
-          </a:fontRef>
-        </p:style>
-      </p:cxnSp>
-      <p:cxnSp>
-        <p:nvCxnSpPr>
-          <p:cNvPr id="33" name="Straight Connector 32">
-            <a:extLst>
-              <a:ext uri="{FF2B5EF4-FFF2-40B4-BE49-F238E27FC236}">
-                <a16:creationId xmlns:a16="http://schemas.microsoft.com/office/drawing/2014/main" id="{14C572B6-3EE1-71A5-EEED-62A01BBD9918}"/>
-              </a:ext>
-            </a:extLst>
-          </p:cNvPr>
-          <p:cNvCxnSpPr>
-            <a:cxnSpLocks/>
-          </p:cNvCxnSpPr>
-          <p:nvPr/>
-        </p:nvCxnSpPr>
-        <p:spPr>
-          <a:xfrm>
-            <a:off x="7851830" y="5867400"/>
-            <a:ext cx="152400" cy="0"/>
-          </a:xfrm>
-          <a:prstGeom prst="line">
-            <a:avLst/>
-          </a:prstGeom>
-          <a:ln w="12700">
-            <a:solidFill>
-              <a:schemeClr val="tx1"/>
-            </a:solidFill>
-          </a:ln>
-        </p:spPr>
-        <p:style>
-          <a:lnRef idx="1">
-            <a:schemeClr val="accent1"/>
-          </a:lnRef>
-          <a:fillRef idx="0">
-            <a:schemeClr val="accent1"/>
-          </a:fillRef>
-          <a:effectRef idx="0">
-            <a:schemeClr val="accent1"/>
-          </a:effectRef>
-          <a:fontRef idx="minor">
-            <a:schemeClr val="tx1"/>
-          </a:fontRef>
-        </p:style>
-      </p:cxnSp>
-      <p:cxnSp>
-        <p:nvCxnSpPr>
-          <p:cNvPr id="34" name="Straight Connector 33">
-            <a:extLst>
-              <a:ext uri="{FF2B5EF4-FFF2-40B4-BE49-F238E27FC236}">
-                <a16:creationId xmlns:a16="http://schemas.microsoft.com/office/drawing/2014/main" id="{7D2BB6B8-CB1B-93B1-DF61-3EAA01D64F26}"/>
-              </a:ext>
-            </a:extLst>
-          </p:cNvPr>
-          <p:cNvCxnSpPr>
-            <a:cxnSpLocks/>
-          </p:cNvCxnSpPr>
-          <p:nvPr/>
-        </p:nvCxnSpPr>
-        <p:spPr>
-          <a:xfrm flipV="1">
-            <a:off x="7924800" y="6400800"/>
-            <a:ext cx="0" cy="152400"/>
-          </a:xfrm>
-          <a:prstGeom prst="line">
-            <a:avLst/>
-          </a:prstGeom>
-          <a:ln w="12700">
-            <a:solidFill>
-              <a:schemeClr val="tx1"/>
-            </a:solidFill>
-            <a:headEnd type="triangle"/>
-          </a:ln>
-        </p:spPr>
-        <p:style>
-          <a:lnRef idx="1">
-            <a:schemeClr val="accent1"/>
-          </a:lnRef>
-          <a:fillRef idx="0">
-            <a:schemeClr val="accent1"/>
-          </a:fillRef>
-          <a:effectRef idx="0">
-            <a:schemeClr val="accent1"/>
-          </a:effectRef>
-          <a:fontRef idx="minor">
-            <a:schemeClr val="tx1"/>
-          </a:fontRef>
-        </p:style>
-      </p:cxnSp>
-      <p:sp>
-        <p:nvSpPr>
-          <p:cNvPr id="35" name="TextBox 34">
-            <a:extLst>
-              <a:ext uri="{FF2B5EF4-FFF2-40B4-BE49-F238E27FC236}">
-                <a16:creationId xmlns:a16="http://schemas.microsoft.com/office/drawing/2014/main" id="{E0CA689B-B028-646D-57D7-DCFF9DC4BC56}"/>
-              </a:ext>
-            </a:extLst>
-          </p:cNvPr>
-          <p:cNvSpPr txBox="1"/>
-          <p:nvPr/>
-        </p:nvSpPr>
-        <p:spPr>
-          <a:xfrm>
-            <a:off x="7701045" y="6017329"/>
-            <a:ext cx="453970" cy="369332"/>
-          </a:xfrm>
-          <a:prstGeom prst="rect">
-            <a:avLst/>
-          </a:prstGeom>
-          <a:noFill/>
-        </p:spPr>
-        <p:txBody>
-          <a:bodyPr wrap="none" rtlCol="0">
-            <a:spAutoFit/>
-          </a:bodyPr>
-          <a:lstStyle/>
-          <a:p>
-            <a:r>
-              <a:rPr lang="en-US" dirty="0"/>
-              <a:t>.5”</a:t>
-            </a:r>
-          </a:p>
-        </p:txBody>
-      </p:sp>
-      <p:cxnSp>
-        <p:nvCxnSpPr>
-          <p:cNvPr id="37" name="Straight Connector 36">
-            <a:extLst>
-              <a:ext uri="{FF2B5EF4-FFF2-40B4-BE49-F238E27FC236}">
-                <a16:creationId xmlns:a16="http://schemas.microsoft.com/office/drawing/2014/main" id="{A5EE16FE-E171-1789-052C-C37D976194E5}"/>
-              </a:ext>
-            </a:extLst>
-          </p:cNvPr>
-          <p:cNvCxnSpPr>
-            <a:cxnSpLocks/>
-          </p:cNvCxnSpPr>
-          <p:nvPr/>
-        </p:nvCxnSpPr>
-        <p:spPr>
-          <a:xfrm>
-            <a:off x="7848600" y="5867400"/>
-            <a:ext cx="152400" cy="0"/>
-          </a:xfrm>
-          <a:prstGeom prst="line">
-            <a:avLst/>
-          </a:prstGeom>
-          <a:ln w="12700">
-            <a:solidFill>
-              <a:schemeClr val="tx1"/>
-            </a:solidFill>
-          </a:ln>
-        </p:spPr>
-        <p:style>
-          <a:lnRef idx="1">
-            <a:schemeClr val="accent1"/>
-          </a:lnRef>
-          <a:fillRef idx="0">
-            <a:schemeClr val="accent1"/>
-          </a:fillRef>
-          <a:effectRef idx="0">
-            <a:schemeClr val="accent1"/>
-          </a:effectRef>
-          <a:fontRef idx="minor">
-            <a:schemeClr val="tx1"/>
-          </a:fontRef>
-        </p:style>
-      </p:cxnSp>
-      <p:cxnSp>
-        <p:nvCxnSpPr>
-          <p:cNvPr id="38" name="Straight Connector 37">
-            <a:extLst>
-              <a:ext uri="{FF2B5EF4-FFF2-40B4-BE49-F238E27FC236}">
-                <a16:creationId xmlns:a16="http://schemas.microsoft.com/office/drawing/2014/main" id="{20572A6B-CFA4-65B0-1F4F-AED96D263959}"/>
-              </a:ext>
-            </a:extLst>
-          </p:cNvPr>
-          <p:cNvCxnSpPr>
-            <a:cxnSpLocks/>
-          </p:cNvCxnSpPr>
-          <p:nvPr/>
-        </p:nvCxnSpPr>
-        <p:spPr>
-          <a:xfrm>
-            <a:off x="7851830" y="5867400"/>
-            <a:ext cx="152400" cy="0"/>
-          </a:xfrm>
-          <a:prstGeom prst="line">
-            <a:avLst/>
-          </a:prstGeom>
-          <a:ln w="12700">
-            <a:solidFill>
-              <a:schemeClr val="tx1"/>
-            </a:solidFill>
-          </a:ln>
-        </p:spPr>
-        <p:style>
-          <a:lnRef idx="1">
-            <a:schemeClr val="accent1"/>
-          </a:lnRef>
-          <a:fillRef idx="0">
-            <a:schemeClr val="accent1"/>
-          </a:fillRef>
-          <a:effectRef idx="0">
-            <a:schemeClr val="accent1"/>
-          </a:effectRef>
-          <a:fontRef idx="minor">
-            <a:schemeClr val="tx1"/>
-          </a:fontRef>
-        </p:style>
-      </p:cxnSp>
-      <p:cxnSp>
-        <p:nvCxnSpPr>
-          <p:cNvPr id="39" name="Straight Connector 38">
-            <a:extLst>
-              <a:ext uri="{FF2B5EF4-FFF2-40B4-BE49-F238E27FC236}">
-                <a16:creationId xmlns:a16="http://schemas.microsoft.com/office/drawing/2014/main" id="{892066B3-B1AD-8881-975B-DB36717837E1}"/>
-              </a:ext>
-            </a:extLst>
-          </p:cNvPr>
-          <p:cNvCxnSpPr>
-            <a:cxnSpLocks/>
-          </p:cNvCxnSpPr>
-          <p:nvPr/>
-        </p:nvCxnSpPr>
-        <p:spPr>
-          <a:xfrm>
-            <a:off x="7924800" y="5410200"/>
-            <a:ext cx="0" cy="152400"/>
-          </a:xfrm>
-          <a:prstGeom prst="line">
-            <a:avLst/>
-          </a:prstGeom>
-          <a:ln w="12700">
-            <a:solidFill>
-              <a:schemeClr val="tx1"/>
-            </a:solidFill>
-            <a:headEnd type="triangle"/>
-          </a:ln>
-        </p:spPr>
-        <p:style>
-          <a:lnRef idx="1">
-            <a:schemeClr val="accent1"/>
-          </a:lnRef>
-          <a:fillRef idx="0">
-            <a:schemeClr val="accent1"/>
-          </a:fillRef>
-          <a:effectRef idx="0">
-            <a:schemeClr val="accent1"/>
-          </a:effectRef>
-          <a:fontRef idx="minor">
-            <a:schemeClr val="tx1"/>
-          </a:fontRef>
-        </p:style>
-      </p:cxnSp>
-      <p:cxnSp>
-        <p:nvCxnSpPr>
-          <p:cNvPr id="40" name="Straight Connector 39">
-            <a:extLst>
-              <a:ext uri="{FF2B5EF4-FFF2-40B4-BE49-F238E27FC236}">
-                <a16:creationId xmlns:a16="http://schemas.microsoft.com/office/drawing/2014/main" id="{3293B092-C80F-7022-CFF5-B07735B05D5C}"/>
-              </a:ext>
-            </a:extLst>
-          </p:cNvPr>
-          <p:cNvCxnSpPr>
-            <a:cxnSpLocks/>
-          </p:cNvCxnSpPr>
-          <p:nvPr/>
-        </p:nvCxnSpPr>
-        <p:spPr>
-          <a:xfrm flipV="1">
-            <a:off x="7928030" y="5715000"/>
-            <a:ext cx="0" cy="152400"/>
-          </a:xfrm>
-          <a:prstGeom prst="line">
-            <a:avLst/>
-          </a:prstGeom>
-          <a:ln w="12700">
-            <a:solidFill>
-              <a:schemeClr val="tx1"/>
-            </a:solidFill>
-            <a:headEnd type="triangle"/>
           </a:ln>
         </p:spPr>
         <p:style>
@@ -23522,7 +22926,7 @@
         </p:nvSpPr>
         <p:spPr>
           <a:xfrm>
-            <a:off x="7010400" y="1600200"/>
+            <a:off x="5867400" y="1600200"/>
             <a:ext cx="4572000" cy="3048000"/>
           </a:xfrm>
           <a:prstGeom prst="rect">
@@ -23574,7 +22978,7 @@
         </p:nvSpPr>
         <p:spPr>
           <a:xfrm>
-            <a:off x="3352800" y="5257800"/>
+            <a:off x="2209800" y="5257800"/>
             <a:ext cx="979755" cy="369332"/>
           </a:xfrm>
           <a:prstGeom prst="rect">
@@ -23609,7 +23013,7 @@
         </p:nvSpPr>
         <p:spPr>
           <a:xfrm>
-            <a:off x="8915400" y="5257800"/>
+            <a:off x="7772400" y="5257800"/>
             <a:ext cx="813043" cy="369332"/>
           </a:xfrm>
           <a:prstGeom prst="rect">
@@ -23644,7 +23048,7 @@
         </p:nvSpPr>
         <p:spPr>
           <a:xfrm rot="16200000">
-            <a:off x="10904089" y="2811911"/>
+            <a:off x="9266575" y="2919112"/>
             <a:ext cx="659155" cy="369332"/>
           </a:xfrm>
           <a:prstGeom prst="rect">
@@ -23679,7 +23083,7 @@
         </p:nvSpPr>
         <p:spPr>
           <a:xfrm>
-            <a:off x="3645348" y="1186934"/>
+            <a:off x="2502348" y="1186934"/>
             <a:ext cx="522551" cy="369332"/>
           </a:xfrm>
           <a:prstGeom prst="rect">
@@ -23714,7 +23118,7 @@
         </p:nvSpPr>
         <p:spPr>
           <a:xfrm>
-            <a:off x="2671385" y="3758734"/>
+            <a:off x="1528385" y="3758734"/>
             <a:ext cx="681415" cy="609600"/>
           </a:xfrm>
           <a:prstGeom prst="rect">
@@ -23763,7 +23167,7 @@
         </p:nvSpPr>
         <p:spPr>
           <a:xfrm>
-            <a:off x="1855954" y="2971800"/>
+            <a:off x="712954" y="2971800"/>
             <a:ext cx="609600" cy="609600"/>
           </a:xfrm>
           <a:prstGeom prst="rect">
@@ -23798,6 +23202,703 @@
           </a:p>
         </p:txBody>
       </p:sp>
+      <p:cxnSp>
+        <p:nvCxnSpPr>
+          <p:cNvPr id="57" name="Straight Connector 56">
+            <a:extLst>
+              <a:ext uri="{FF2B5EF4-FFF2-40B4-BE49-F238E27FC236}">
+                <a16:creationId xmlns:a16="http://schemas.microsoft.com/office/drawing/2014/main" id="{C59C5919-BE10-FED4-65D6-79471834F6E4}"/>
+              </a:ext>
+            </a:extLst>
+          </p:cNvPr>
+          <p:cNvCxnSpPr>
+            <a:cxnSpLocks/>
+          </p:cNvCxnSpPr>
+          <p:nvPr/>
+        </p:nvCxnSpPr>
+        <p:spPr>
+          <a:xfrm>
+            <a:off x="10591800" y="1585223"/>
+            <a:ext cx="0" cy="243577"/>
+          </a:xfrm>
+          <a:prstGeom prst="line">
+            <a:avLst/>
+          </a:prstGeom>
+          <a:ln w="12700">
+            <a:solidFill>
+              <a:schemeClr val="tx1"/>
+            </a:solidFill>
+            <a:headEnd type="triangle"/>
+          </a:ln>
+        </p:spPr>
+        <p:style>
+          <a:lnRef idx="1">
+            <a:schemeClr val="accent1"/>
+          </a:lnRef>
+          <a:fillRef idx="0">
+            <a:schemeClr val="accent1"/>
+          </a:fillRef>
+          <a:effectRef idx="0">
+            <a:schemeClr val="accent1"/>
+          </a:effectRef>
+          <a:fontRef idx="minor">
+            <a:schemeClr val="tx1"/>
+          </a:fontRef>
+        </p:style>
+      </p:cxnSp>
+      <p:cxnSp>
+        <p:nvCxnSpPr>
+          <p:cNvPr id="58" name="Straight Connector 57">
+            <a:extLst>
+              <a:ext uri="{FF2B5EF4-FFF2-40B4-BE49-F238E27FC236}">
+                <a16:creationId xmlns:a16="http://schemas.microsoft.com/office/drawing/2014/main" id="{549C6ECC-3329-32AB-3877-4723F94DC512}"/>
+              </a:ext>
+            </a:extLst>
+          </p:cNvPr>
+          <p:cNvCxnSpPr>
+            <a:cxnSpLocks/>
+          </p:cNvCxnSpPr>
+          <p:nvPr/>
+        </p:nvCxnSpPr>
+        <p:spPr>
+          <a:xfrm>
+            <a:off x="10515600" y="1585223"/>
+            <a:ext cx="152400" cy="0"/>
+          </a:xfrm>
+          <a:prstGeom prst="line">
+            <a:avLst/>
+          </a:prstGeom>
+          <a:ln w="12700">
+            <a:solidFill>
+              <a:schemeClr val="tx1"/>
+            </a:solidFill>
+          </a:ln>
+        </p:spPr>
+        <p:style>
+          <a:lnRef idx="1">
+            <a:schemeClr val="accent1"/>
+          </a:lnRef>
+          <a:fillRef idx="0">
+            <a:schemeClr val="accent1"/>
+          </a:fillRef>
+          <a:effectRef idx="0">
+            <a:schemeClr val="accent1"/>
+          </a:effectRef>
+          <a:fontRef idx="minor">
+            <a:schemeClr val="tx1"/>
+          </a:fontRef>
+        </p:style>
+      </p:cxnSp>
+      <p:cxnSp>
+        <p:nvCxnSpPr>
+          <p:cNvPr id="59" name="Straight Connector 58">
+            <a:extLst>
+              <a:ext uri="{FF2B5EF4-FFF2-40B4-BE49-F238E27FC236}">
+                <a16:creationId xmlns:a16="http://schemas.microsoft.com/office/drawing/2014/main" id="{0C5B0176-2E93-1949-FE1B-8C249078320C}"/>
+              </a:ext>
+            </a:extLst>
+          </p:cNvPr>
+          <p:cNvCxnSpPr>
+            <a:cxnSpLocks/>
+          </p:cNvCxnSpPr>
+          <p:nvPr/>
+        </p:nvCxnSpPr>
+        <p:spPr>
+          <a:xfrm flipV="1">
+            <a:off x="10591800" y="1813739"/>
+            <a:ext cx="0" cy="243661"/>
+          </a:xfrm>
+          <a:prstGeom prst="line">
+            <a:avLst/>
+          </a:prstGeom>
+          <a:ln w="12700">
+            <a:solidFill>
+              <a:schemeClr val="tx1"/>
+            </a:solidFill>
+            <a:headEnd type="triangle"/>
+          </a:ln>
+        </p:spPr>
+        <p:style>
+          <a:lnRef idx="1">
+            <a:schemeClr val="accent1"/>
+          </a:lnRef>
+          <a:fillRef idx="0">
+            <a:schemeClr val="accent1"/>
+          </a:fillRef>
+          <a:effectRef idx="0">
+            <a:schemeClr val="accent1"/>
+          </a:effectRef>
+          <a:fontRef idx="minor">
+            <a:schemeClr val="tx1"/>
+          </a:fontRef>
+        </p:style>
+      </p:cxnSp>
+      <p:sp>
+        <p:nvSpPr>
+          <p:cNvPr id="60" name="TextBox 59">
+            <a:extLst>
+              <a:ext uri="{FF2B5EF4-FFF2-40B4-BE49-F238E27FC236}">
+                <a16:creationId xmlns:a16="http://schemas.microsoft.com/office/drawing/2014/main" id="{4EA39BA9-292D-80B2-3653-9F0B122701D5}"/>
+              </a:ext>
+            </a:extLst>
+          </p:cNvPr>
+          <p:cNvSpPr txBox="1"/>
+          <p:nvPr/>
+        </p:nvSpPr>
+        <p:spPr>
+          <a:xfrm>
+            <a:off x="10566253" y="1682058"/>
+            <a:ext cx="1210588" cy="369332"/>
+          </a:xfrm>
+          <a:prstGeom prst="rect">
+            <a:avLst/>
+          </a:prstGeom>
+          <a:noFill/>
+        </p:spPr>
+        <p:txBody>
+          <a:bodyPr wrap="none" rtlCol="0">
+            <a:spAutoFit/>
+          </a:bodyPr>
+          <a:lstStyle/>
+          <a:p>
+            <a:r>
+              <a:rPr lang="en-US" dirty="0"/>
+              <a:t>31.75 mm</a:t>
+            </a:r>
+          </a:p>
+        </p:txBody>
+      </p:sp>
+      <p:cxnSp>
+        <p:nvCxnSpPr>
+          <p:cNvPr id="61" name="Straight Connector 60">
+            <a:extLst>
+              <a:ext uri="{FF2B5EF4-FFF2-40B4-BE49-F238E27FC236}">
+                <a16:creationId xmlns:a16="http://schemas.microsoft.com/office/drawing/2014/main" id="{431B5B22-A204-D0F9-EF6A-17789653031E}"/>
+              </a:ext>
+            </a:extLst>
+          </p:cNvPr>
+          <p:cNvCxnSpPr>
+            <a:cxnSpLocks/>
+          </p:cNvCxnSpPr>
+          <p:nvPr/>
+        </p:nvCxnSpPr>
+        <p:spPr>
+          <a:xfrm>
+            <a:off x="10515600" y="2110300"/>
+            <a:ext cx="152400" cy="0"/>
+          </a:xfrm>
+          <a:prstGeom prst="line">
+            <a:avLst/>
+          </a:prstGeom>
+          <a:ln w="12700">
+            <a:solidFill>
+              <a:schemeClr val="tx1"/>
+            </a:solidFill>
+          </a:ln>
+        </p:spPr>
+        <p:style>
+          <a:lnRef idx="1">
+            <a:schemeClr val="accent1"/>
+          </a:lnRef>
+          <a:fillRef idx="0">
+            <a:schemeClr val="accent1"/>
+          </a:fillRef>
+          <a:effectRef idx="0">
+            <a:schemeClr val="accent1"/>
+          </a:effectRef>
+          <a:fontRef idx="minor">
+            <a:schemeClr val="tx1"/>
+          </a:fontRef>
+        </p:style>
+      </p:cxnSp>
+      <p:cxnSp>
+        <p:nvCxnSpPr>
+          <p:cNvPr id="69" name="Straight Connector 68">
+            <a:extLst>
+              <a:ext uri="{FF2B5EF4-FFF2-40B4-BE49-F238E27FC236}">
+                <a16:creationId xmlns:a16="http://schemas.microsoft.com/office/drawing/2014/main" id="{2BA661AC-A8CF-FA7D-5E4D-0C9AB5345EFF}"/>
+              </a:ext>
+            </a:extLst>
+          </p:cNvPr>
+          <p:cNvCxnSpPr>
+            <a:cxnSpLocks/>
+          </p:cNvCxnSpPr>
+          <p:nvPr/>
+        </p:nvCxnSpPr>
+        <p:spPr>
+          <a:xfrm>
+            <a:off x="10591800" y="4165126"/>
+            <a:ext cx="0" cy="243577"/>
+          </a:xfrm>
+          <a:prstGeom prst="line">
+            <a:avLst/>
+          </a:prstGeom>
+          <a:ln w="12700">
+            <a:solidFill>
+              <a:schemeClr val="tx1"/>
+            </a:solidFill>
+            <a:headEnd type="triangle"/>
+          </a:ln>
+        </p:spPr>
+        <p:style>
+          <a:lnRef idx="1">
+            <a:schemeClr val="accent1"/>
+          </a:lnRef>
+          <a:fillRef idx="0">
+            <a:schemeClr val="accent1"/>
+          </a:fillRef>
+          <a:effectRef idx="0">
+            <a:schemeClr val="accent1"/>
+          </a:effectRef>
+          <a:fontRef idx="minor">
+            <a:schemeClr val="tx1"/>
+          </a:fontRef>
+        </p:style>
+      </p:cxnSp>
+      <p:cxnSp>
+        <p:nvCxnSpPr>
+          <p:cNvPr id="70" name="Straight Connector 69">
+            <a:extLst>
+              <a:ext uri="{FF2B5EF4-FFF2-40B4-BE49-F238E27FC236}">
+                <a16:creationId xmlns:a16="http://schemas.microsoft.com/office/drawing/2014/main" id="{E5B530B9-7804-F106-1335-830355060280}"/>
+              </a:ext>
+            </a:extLst>
+          </p:cNvPr>
+          <p:cNvCxnSpPr>
+            <a:cxnSpLocks/>
+          </p:cNvCxnSpPr>
+          <p:nvPr/>
+        </p:nvCxnSpPr>
+        <p:spPr>
+          <a:xfrm>
+            <a:off x="10515600" y="4165126"/>
+            <a:ext cx="152400" cy="0"/>
+          </a:xfrm>
+          <a:prstGeom prst="line">
+            <a:avLst/>
+          </a:prstGeom>
+          <a:ln w="12700">
+            <a:solidFill>
+              <a:schemeClr val="tx1"/>
+            </a:solidFill>
+          </a:ln>
+        </p:spPr>
+        <p:style>
+          <a:lnRef idx="1">
+            <a:schemeClr val="accent1"/>
+          </a:lnRef>
+          <a:fillRef idx="0">
+            <a:schemeClr val="accent1"/>
+          </a:fillRef>
+          <a:effectRef idx="0">
+            <a:schemeClr val="accent1"/>
+          </a:effectRef>
+          <a:fontRef idx="minor">
+            <a:schemeClr val="tx1"/>
+          </a:fontRef>
+        </p:style>
+      </p:cxnSp>
+      <p:cxnSp>
+        <p:nvCxnSpPr>
+          <p:cNvPr id="71" name="Straight Connector 70">
+            <a:extLst>
+              <a:ext uri="{FF2B5EF4-FFF2-40B4-BE49-F238E27FC236}">
+                <a16:creationId xmlns:a16="http://schemas.microsoft.com/office/drawing/2014/main" id="{73B00962-1422-8540-09B5-7F98FDF529A2}"/>
+              </a:ext>
+            </a:extLst>
+          </p:cNvPr>
+          <p:cNvCxnSpPr>
+            <a:cxnSpLocks/>
+          </p:cNvCxnSpPr>
+          <p:nvPr/>
+        </p:nvCxnSpPr>
+        <p:spPr>
+          <a:xfrm flipV="1">
+            <a:off x="10591800" y="4393642"/>
+            <a:ext cx="0" cy="243661"/>
+          </a:xfrm>
+          <a:prstGeom prst="line">
+            <a:avLst/>
+          </a:prstGeom>
+          <a:ln w="12700">
+            <a:solidFill>
+              <a:schemeClr val="tx1"/>
+            </a:solidFill>
+            <a:headEnd type="triangle"/>
+          </a:ln>
+        </p:spPr>
+        <p:style>
+          <a:lnRef idx="1">
+            <a:schemeClr val="accent1"/>
+          </a:lnRef>
+          <a:fillRef idx="0">
+            <a:schemeClr val="accent1"/>
+          </a:fillRef>
+          <a:effectRef idx="0">
+            <a:schemeClr val="accent1"/>
+          </a:effectRef>
+          <a:fontRef idx="minor">
+            <a:schemeClr val="tx1"/>
+          </a:fontRef>
+        </p:style>
+      </p:cxnSp>
+      <p:sp>
+        <p:nvSpPr>
+          <p:cNvPr id="72" name="TextBox 71">
+            <a:extLst>
+              <a:ext uri="{FF2B5EF4-FFF2-40B4-BE49-F238E27FC236}">
+                <a16:creationId xmlns:a16="http://schemas.microsoft.com/office/drawing/2014/main" id="{9068EAD5-E53B-47C9-6DD4-C6278E2969F0}"/>
+              </a:ext>
+            </a:extLst>
+          </p:cNvPr>
+          <p:cNvSpPr txBox="1"/>
+          <p:nvPr/>
+        </p:nvSpPr>
+        <p:spPr>
+          <a:xfrm>
+            <a:off x="10566253" y="4261961"/>
+            <a:ext cx="1210588" cy="369332"/>
+          </a:xfrm>
+          <a:prstGeom prst="rect">
+            <a:avLst/>
+          </a:prstGeom>
+          <a:noFill/>
+        </p:spPr>
+        <p:txBody>
+          <a:bodyPr wrap="none" rtlCol="0">
+            <a:spAutoFit/>
+          </a:bodyPr>
+          <a:lstStyle/>
+          <a:p>
+            <a:r>
+              <a:rPr lang="en-US" dirty="0"/>
+              <a:t>31.75 mm</a:t>
+            </a:r>
+          </a:p>
+        </p:txBody>
+      </p:sp>
+      <p:cxnSp>
+        <p:nvCxnSpPr>
+          <p:cNvPr id="73" name="Straight Connector 72">
+            <a:extLst>
+              <a:ext uri="{FF2B5EF4-FFF2-40B4-BE49-F238E27FC236}">
+                <a16:creationId xmlns:a16="http://schemas.microsoft.com/office/drawing/2014/main" id="{F76DA24B-E4A1-AA84-7D42-DF9CFB1A9DCA}"/>
+              </a:ext>
+            </a:extLst>
+          </p:cNvPr>
+          <p:cNvCxnSpPr>
+            <a:cxnSpLocks/>
+          </p:cNvCxnSpPr>
+          <p:nvPr/>
+        </p:nvCxnSpPr>
+        <p:spPr>
+          <a:xfrm>
+            <a:off x="10515600" y="4690203"/>
+            <a:ext cx="152400" cy="0"/>
+          </a:xfrm>
+          <a:prstGeom prst="line">
+            <a:avLst/>
+          </a:prstGeom>
+          <a:ln w="12700">
+            <a:solidFill>
+              <a:schemeClr val="tx1"/>
+            </a:solidFill>
+          </a:ln>
+        </p:spPr>
+        <p:style>
+          <a:lnRef idx="1">
+            <a:schemeClr val="accent1"/>
+          </a:lnRef>
+          <a:fillRef idx="0">
+            <a:schemeClr val="accent1"/>
+          </a:fillRef>
+          <a:effectRef idx="0">
+            <a:schemeClr val="accent1"/>
+          </a:effectRef>
+          <a:fontRef idx="minor">
+            <a:schemeClr val="tx1"/>
+          </a:fontRef>
+        </p:style>
+      </p:cxnSp>
+      <p:sp>
+        <p:nvSpPr>
+          <p:cNvPr id="76" name="TextBox 75">
+            <a:extLst>
+              <a:ext uri="{FF2B5EF4-FFF2-40B4-BE49-F238E27FC236}">
+                <a16:creationId xmlns:a16="http://schemas.microsoft.com/office/drawing/2014/main" id="{25406E7B-A54F-E6EA-19EA-62F970E29F28}"/>
+              </a:ext>
+            </a:extLst>
+          </p:cNvPr>
+          <p:cNvSpPr txBox="1"/>
+          <p:nvPr/>
+        </p:nvSpPr>
+        <p:spPr>
+          <a:xfrm>
+            <a:off x="9780819" y="926068"/>
+            <a:ext cx="1082348" cy="369332"/>
+          </a:xfrm>
+          <a:prstGeom prst="rect">
+            <a:avLst/>
+          </a:prstGeom>
+          <a:noFill/>
+        </p:spPr>
+        <p:txBody>
+          <a:bodyPr wrap="none" rtlCol="0">
+            <a:spAutoFit/>
+          </a:bodyPr>
+          <a:lstStyle/>
+          <a:p>
+            <a:r>
+              <a:rPr lang="en-US" dirty="0"/>
+              <a:t>6.35 mm</a:t>
+            </a:r>
+          </a:p>
+        </p:txBody>
+      </p:sp>
+      <p:sp>
+        <p:nvSpPr>
+          <p:cNvPr id="77" name="TextBox 76">
+            <a:extLst>
+              <a:ext uri="{FF2B5EF4-FFF2-40B4-BE49-F238E27FC236}">
+                <a16:creationId xmlns:a16="http://schemas.microsoft.com/office/drawing/2014/main" id="{7A843370-07F6-DC2E-CEB2-2A45E17973CD}"/>
+              </a:ext>
+            </a:extLst>
+          </p:cNvPr>
+          <p:cNvSpPr txBox="1"/>
+          <p:nvPr/>
+        </p:nvSpPr>
+        <p:spPr>
+          <a:xfrm>
+            <a:off x="2895599" y="3929079"/>
+            <a:ext cx="1069524" cy="369332"/>
+          </a:xfrm>
+          <a:prstGeom prst="rect">
+            <a:avLst/>
+          </a:prstGeom>
+          <a:noFill/>
+        </p:spPr>
+        <p:txBody>
+          <a:bodyPr wrap="none" rtlCol="0">
+            <a:spAutoFit/>
+          </a:bodyPr>
+          <a:lstStyle/>
+          <a:p>
+            <a:r>
+              <a:rPr lang="en-US" dirty="0"/>
+              <a:t>microSD</a:t>
+            </a:r>
+          </a:p>
+        </p:txBody>
+      </p:sp>
+      <p:sp>
+        <p:nvSpPr>
+          <p:cNvPr id="78" name="TextBox 77">
+            <a:extLst>
+              <a:ext uri="{FF2B5EF4-FFF2-40B4-BE49-F238E27FC236}">
+                <a16:creationId xmlns:a16="http://schemas.microsoft.com/office/drawing/2014/main" id="{E7F74A66-AF38-59E3-0BF8-32563976F98D}"/>
+              </a:ext>
+            </a:extLst>
+          </p:cNvPr>
+          <p:cNvSpPr txBox="1"/>
+          <p:nvPr/>
+        </p:nvSpPr>
+        <p:spPr>
+          <a:xfrm rot="5400000">
+            <a:off x="6353224" y="2939534"/>
+            <a:ext cx="1069524" cy="369332"/>
+          </a:xfrm>
+          <a:prstGeom prst="rect">
+            <a:avLst/>
+          </a:prstGeom>
+          <a:noFill/>
+        </p:spPr>
+        <p:txBody>
+          <a:bodyPr wrap="none" rtlCol="0">
+            <a:spAutoFit/>
+          </a:bodyPr>
+          <a:lstStyle/>
+          <a:p>
+            <a:r>
+              <a:rPr lang="en-US" dirty="0"/>
+              <a:t>microSD</a:t>
+            </a:r>
+          </a:p>
+        </p:txBody>
+      </p:sp>
+      <p:cxnSp>
+        <p:nvCxnSpPr>
+          <p:cNvPr id="79" name="Straight Connector 78">
+            <a:extLst>
+              <a:ext uri="{FF2B5EF4-FFF2-40B4-BE49-F238E27FC236}">
+                <a16:creationId xmlns:a16="http://schemas.microsoft.com/office/drawing/2014/main" id="{2B7C5792-630F-3BBF-AB4F-8E2DEECECF1C}"/>
+              </a:ext>
+            </a:extLst>
+          </p:cNvPr>
+          <p:cNvCxnSpPr>
+            <a:cxnSpLocks/>
+          </p:cNvCxnSpPr>
+          <p:nvPr/>
+        </p:nvCxnSpPr>
+        <p:spPr>
+          <a:xfrm>
+            <a:off x="4560830" y="4800600"/>
+            <a:ext cx="381000" cy="0"/>
+          </a:xfrm>
+          <a:prstGeom prst="line">
+            <a:avLst/>
+          </a:prstGeom>
+          <a:ln w="12700">
+            <a:solidFill>
+              <a:schemeClr val="tx1"/>
+            </a:solidFill>
+            <a:headEnd type="triangle"/>
+          </a:ln>
+        </p:spPr>
+        <p:style>
+          <a:lnRef idx="1">
+            <a:schemeClr val="accent1"/>
+          </a:lnRef>
+          <a:fillRef idx="0">
+            <a:schemeClr val="accent1"/>
+          </a:fillRef>
+          <a:effectRef idx="0">
+            <a:schemeClr val="accent1"/>
+          </a:effectRef>
+          <a:fontRef idx="minor">
+            <a:schemeClr val="tx1"/>
+          </a:fontRef>
+        </p:style>
+      </p:cxnSp>
+      <p:cxnSp>
+        <p:nvCxnSpPr>
+          <p:cNvPr id="80" name="Straight Connector 79">
+            <a:extLst>
+              <a:ext uri="{FF2B5EF4-FFF2-40B4-BE49-F238E27FC236}">
+                <a16:creationId xmlns:a16="http://schemas.microsoft.com/office/drawing/2014/main" id="{4F133E83-F126-62CA-3DC7-0C0E8B656721}"/>
+              </a:ext>
+            </a:extLst>
+          </p:cNvPr>
+          <p:cNvCxnSpPr>
+            <a:cxnSpLocks/>
+          </p:cNvCxnSpPr>
+          <p:nvPr/>
+        </p:nvCxnSpPr>
+        <p:spPr>
+          <a:xfrm>
+            <a:off x="4671191" y="4800600"/>
+            <a:ext cx="381000" cy="0"/>
+          </a:xfrm>
+          <a:prstGeom prst="line">
+            <a:avLst/>
+          </a:prstGeom>
+          <a:ln w="12700">
+            <a:solidFill>
+              <a:schemeClr val="tx1"/>
+            </a:solidFill>
+            <a:tailEnd type="triangle"/>
+          </a:ln>
+        </p:spPr>
+        <p:style>
+          <a:lnRef idx="1">
+            <a:schemeClr val="accent1"/>
+          </a:lnRef>
+          <a:fillRef idx="0">
+            <a:schemeClr val="accent1"/>
+          </a:fillRef>
+          <a:effectRef idx="0">
+            <a:schemeClr val="accent1"/>
+          </a:effectRef>
+          <a:fontRef idx="minor">
+            <a:schemeClr val="tx1"/>
+          </a:fontRef>
+        </p:style>
+      </p:cxnSp>
+      <p:cxnSp>
+        <p:nvCxnSpPr>
+          <p:cNvPr id="81" name="Straight Connector 80">
+            <a:extLst>
+              <a:ext uri="{FF2B5EF4-FFF2-40B4-BE49-F238E27FC236}">
+                <a16:creationId xmlns:a16="http://schemas.microsoft.com/office/drawing/2014/main" id="{A64DBAE1-F11B-FF56-0EA5-ABF743799B6A}"/>
+              </a:ext>
+            </a:extLst>
+          </p:cNvPr>
+          <p:cNvCxnSpPr>
+            <a:cxnSpLocks/>
+          </p:cNvCxnSpPr>
+          <p:nvPr/>
+        </p:nvCxnSpPr>
+        <p:spPr>
+          <a:xfrm>
+            <a:off x="5052191" y="4724400"/>
+            <a:ext cx="0" cy="152400"/>
+          </a:xfrm>
+          <a:prstGeom prst="line">
+            <a:avLst/>
+          </a:prstGeom>
+          <a:ln w="12700">
+            <a:solidFill>
+              <a:schemeClr val="tx1"/>
+            </a:solidFill>
+          </a:ln>
+        </p:spPr>
+        <p:style>
+          <a:lnRef idx="1">
+            <a:schemeClr val="accent1"/>
+          </a:lnRef>
+          <a:fillRef idx="0">
+            <a:schemeClr val="accent1"/>
+          </a:fillRef>
+          <a:effectRef idx="0">
+            <a:schemeClr val="accent1"/>
+          </a:effectRef>
+          <a:fontRef idx="minor">
+            <a:schemeClr val="tx1"/>
+          </a:fontRef>
+        </p:style>
+      </p:cxnSp>
+      <p:cxnSp>
+        <p:nvCxnSpPr>
+          <p:cNvPr id="82" name="Straight Connector 81">
+            <a:extLst>
+              <a:ext uri="{FF2B5EF4-FFF2-40B4-BE49-F238E27FC236}">
+                <a16:creationId xmlns:a16="http://schemas.microsoft.com/office/drawing/2014/main" id="{718948C2-B0AD-8726-25B5-75B36F3CFAFB}"/>
+              </a:ext>
+            </a:extLst>
+          </p:cNvPr>
+          <p:cNvCxnSpPr>
+            <a:cxnSpLocks/>
+          </p:cNvCxnSpPr>
+          <p:nvPr/>
+        </p:nvCxnSpPr>
+        <p:spPr>
+          <a:xfrm>
+            <a:off x="4560830" y="4724400"/>
+            <a:ext cx="0" cy="152400"/>
+          </a:xfrm>
+          <a:prstGeom prst="line">
+            <a:avLst/>
+          </a:prstGeom>
+          <a:ln w="12700">
+            <a:solidFill>
+              <a:schemeClr val="tx1"/>
+            </a:solidFill>
+          </a:ln>
+        </p:spPr>
+        <p:style>
+          <a:lnRef idx="1">
+            <a:schemeClr val="accent1"/>
+          </a:lnRef>
+          <a:fillRef idx="0">
+            <a:schemeClr val="accent1"/>
+          </a:fillRef>
+          <a:effectRef idx="0">
+            <a:schemeClr val="accent1"/>
+          </a:effectRef>
+          <a:fontRef idx="minor">
+            <a:schemeClr val="tx1"/>
+          </a:fontRef>
+        </p:style>
+      </p:cxnSp>
     </p:spTree>
     <p:extLst>
       <p:ext uri="{BB962C8B-B14F-4D97-AF65-F5344CB8AC3E}">

--- a/Project 2/docs/ENGI301_project_02 Block Diagrams.pptx
+++ b/Project 2/docs/ENGI301_project_02 Block Diagrams.pptx
@@ -15111,8 +15111,13 @@
           <a:p>
             <a:r>
               <a:rPr lang="en-US" dirty="0"/>
-              <a:t>&lt;Name&gt;</a:t>
+              <a:t>&lt;</a:t>
             </a:r>
+            <a:r>
+              <a:rPr lang="en-US"/>
+              <a:t>Jonathan Lloyd&gt;</a:t>
+            </a:r>
+            <a:endParaRPr lang="en-US" dirty="0"/>
           </a:p>
           <a:p>
             <a:endParaRPr lang="en-US" dirty="0"/>
